--- a/pyWorks/자료/django_ppt/polls_ppt/polls 5장. ocr app.pptx
+++ b/pyWorks/자료/django_ppt/polls_ppt/polls 5장. ocr app.pptx
@@ -5,7 +5,7 @@
     <p:sldMasterId id="2147483648" r:id="rId1"/>
   </p:sldMasterIdLst>
   <p:notesMasterIdLst>
-    <p:notesMasterId r:id="rId18"/>
+    <p:notesMasterId r:id="rId17"/>
   </p:notesMasterIdLst>
   <p:sldIdLst>
     <p:sldId id="256" r:id="rId2"/>
@@ -18,12 +18,11 @@
     <p:sldId id="388" r:id="rId9"/>
     <p:sldId id="395" r:id="rId10"/>
     <p:sldId id="389" r:id="rId11"/>
-    <p:sldId id="396" r:id="rId12"/>
-    <p:sldId id="400" r:id="rId13"/>
-    <p:sldId id="401" r:id="rId14"/>
-    <p:sldId id="390" r:id="rId15"/>
-    <p:sldId id="399" r:id="rId16"/>
-    <p:sldId id="391" r:id="rId17"/>
+    <p:sldId id="400" r:id="rId12"/>
+    <p:sldId id="401" r:id="rId13"/>
+    <p:sldId id="390" r:id="rId14"/>
+    <p:sldId id="399" r:id="rId15"/>
+    <p:sldId id="391" r:id="rId16"/>
   </p:sldIdLst>
   <p:sldSz cx="9906000" cy="6858000" type="A4"/>
   <p:notesSz cx="6858000" cy="9144000"/>
@@ -4337,7 +4336,7 @@
       </p:sp>
       <p:pic>
         <p:nvPicPr>
-          <p:cNvPr id="6" name="그림 5"/>
+          <p:cNvPr id="3" name="그림 2"/>
           <p:cNvPicPr>
             <a:picLocks noChangeAspect="1"/>
           </p:cNvPicPr>
@@ -4357,8 +4356,8 @@
         </p:blipFill>
         <p:spPr>
           <a:xfrm>
-            <a:off x="532631" y="1268760"/>
-            <a:ext cx="8878069" cy="4663844"/>
+            <a:off x="623946" y="1196752"/>
+            <a:ext cx="8583803" cy="5006620"/>
           </a:xfrm>
           <a:prstGeom prst="rect">
             <a:avLst/>
@@ -4488,164 +4487,6 @@
             <a:fld id="{1BDE3FE7-3AEA-4B05-AC5A-802D1816ACF0}" type="slidenum">
               <a:rPr lang="ko-KR" altLang="en-US" smtClean="0"/>
               <a:t>11</a:t>
-            </a:fld>
-            <a:endParaRPr lang="ko-KR" altLang="en-US"/>
-          </a:p>
-        </p:txBody>
-      </p:sp>
-      <p:pic>
-        <p:nvPicPr>
-          <p:cNvPr id="3" name="그림 2"/>
-          <p:cNvPicPr>
-            <a:picLocks noChangeAspect="1"/>
-          </p:cNvPicPr>
-          <p:nvPr/>
-        </p:nvPicPr>
-        <p:blipFill>
-          <a:blip r:embed="rId2">
-            <a:extLst>
-              <a:ext uri="{28A0092B-C50C-407E-A947-70E740481C1C}">
-                <a14:useLocalDpi xmlns:a14="http://schemas.microsoft.com/office/drawing/2010/main" val="0"/>
-              </a:ext>
-            </a:extLst>
-          </a:blip>
-          <a:stretch>
-            <a:fillRect/>
-          </a:stretch>
-        </p:blipFill>
-        <p:spPr>
-          <a:xfrm>
-            <a:off x="1496616" y="1556792"/>
-            <a:ext cx="6035563" cy="3208298"/>
-          </a:xfrm>
-          <a:prstGeom prst="rect">
-            <a:avLst/>
-          </a:prstGeom>
-          <a:ln>
-            <a:solidFill>
-              <a:schemeClr val="bg1">
-                <a:lumMod val="85000"/>
-              </a:schemeClr>
-            </a:solidFill>
-          </a:ln>
-        </p:spPr>
-      </p:pic>
-    </p:spTree>
-    <p:extLst>
-      <p:ext uri="{BB962C8B-B14F-4D97-AF65-F5344CB8AC3E}">
-        <p14:creationId xmlns:p14="http://schemas.microsoft.com/office/powerpoint/2010/main" val="1224558621"/>
-      </p:ext>
-    </p:extLst>
-  </p:cSld>
-  <p:clrMapOvr>
-    <a:masterClrMapping/>
-  </p:clrMapOvr>
-  <p:timing>
-    <p:tnLst>
-      <p:par>
-        <p:cTn id="1" dur="indefinite" restart="never" nodeType="tmRoot"/>
-      </p:par>
-    </p:tnLst>
-  </p:timing>
-</p:sld>
-</file>
-
-<file path=ppt/slides/slide12.xml><?xml version="1.0" encoding="utf-8"?>
-<p:sld xmlns:a="http://schemas.openxmlformats.org/drawingml/2006/main" xmlns:r="http://schemas.openxmlformats.org/officeDocument/2006/relationships" xmlns:p="http://schemas.openxmlformats.org/presentationml/2006/main">
-  <p:cSld>
-    <p:spTree>
-      <p:nvGrpSpPr>
-        <p:cNvPr id="1" name=""/>
-        <p:cNvGrpSpPr/>
-        <p:nvPr/>
-      </p:nvGrpSpPr>
-      <p:grpSpPr>
-        <a:xfrm>
-          <a:off x="0" y="0"/>
-          <a:ext cx="0" cy="0"/>
-          <a:chOff x="0" y="0"/>
-          <a:chExt cx="0" cy="0"/>
-        </a:xfrm>
-      </p:grpSpPr>
-      <p:sp>
-        <p:nvSpPr>
-          <p:cNvPr id="2" name="제목 1"/>
-          <p:cNvSpPr>
-            <a:spLocks noGrp="1"/>
-          </p:cNvSpPr>
-          <p:nvPr>
-            <p:ph type="title"/>
-          </p:nvPr>
-        </p:nvSpPr>
-        <p:spPr/>
-        <p:txBody>
-          <a:bodyPr>
-            <a:normAutofit/>
-          </a:bodyPr>
-          <a:lstStyle/>
-          <a:p>
-            <a:r>
-              <a:rPr lang="en-US" altLang="ko-KR" dirty="0"/>
-              <a:t> </a:t>
-            </a:r>
-            <a:r>
-              <a:rPr lang="en-US" altLang="ko-KR" dirty="0" smtClean="0"/>
-              <a:t>OCR</a:t>
-            </a:r>
-            <a:r>
-              <a:rPr lang="en-US" altLang="ko-KR" b="1" dirty="0">
-                <a:solidFill>
-                  <a:schemeClr val="tx1"/>
-                </a:solidFill>
-              </a:rPr>
-              <a:t> (</a:t>
-            </a:r>
-            <a:r>
-              <a:rPr lang="ko-KR" altLang="en-US" b="1" dirty="0">
-                <a:solidFill>
-                  <a:schemeClr val="tx1"/>
-                </a:solidFill>
-              </a:rPr>
-              <a:t>광학문자인식</a:t>
-            </a:r>
-            <a:r>
-              <a:rPr lang="en-US" altLang="ko-KR" b="1" dirty="0">
-                <a:solidFill>
-                  <a:schemeClr val="tx1"/>
-                </a:solidFill>
-              </a:rPr>
-              <a:t>)</a:t>
-            </a:r>
-            <a:r>
-              <a:rPr lang="en-US" altLang="ko-KR" dirty="0" smtClean="0"/>
-              <a:t> </a:t>
-            </a:r>
-            <a:r>
-              <a:rPr lang="ko-KR" altLang="en-US" dirty="0" smtClean="0"/>
-              <a:t> </a:t>
-            </a:r>
-            <a:endParaRPr lang="ko-KR" altLang="en-US" dirty="0"/>
-          </a:p>
-        </p:txBody>
-      </p:sp>
-      <p:sp>
-        <p:nvSpPr>
-          <p:cNvPr id="4" name="슬라이드 번호 개체 틀 3"/>
-          <p:cNvSpPr>
-            <a:spLocks noGrp="1"/>
-          </p:cNvSpPr>
-          <p:nvPr>
-            <p:ph type="sldNum" sz="quarter" idx="12"/>
-          </p:nvPr>
-        </p:nvSpPr>
-        <p:spPr/>
-        <p:txBody>
-          <a:bodyPr/>
-          <a:lstStyle/>
-          <a:p>
-            <a:fld id="{1BDE3FE7-3AEA-4B05-AC5A-802D1816ACF0}" type="slidenum">
-              <a:rPr lang="ko-KR" altLang="en-US" smtClean="0"/>
-              <a:t>12</a:t>
             </a:fld>
             <a:endParaRPr lang="ko-KR" altLang="en-US"/>
           </a:p>
@@ -4708,7 +4549,7 @@
 </p:sld>
 </file>
 
-<file path=ppt/slides/slide13.xml><?xml version="1.0" encoding="utf-8"?>
+<file path=ppt/slides/slide12.xml><?xml version="1.0" encoding="utf-8"?>
 <p:sld xmlns:a="http://schemas.openxmlformats.org/drawingml/2006/main" xmlns:r="http://schemas.openxmlformats.org/officeDocument/2006/relationships" xmlns:p="http://schemas.openxmlformats.org/presentationml/2006/main">
   <p:cSld>
     <p:spTree>
@@ -4803,7 +4644,7 @@
           <a:p>
             <a:fld id="{1BDE3FE7-3AEA-4B05-AC5A-802D1816ACF0}" type="slidenum">
               <a:rPr lang="ko-KR" altLang="en-US" smtClean="0"/>
-              <a:t>13</a:t>
+              <a:t>12</a:t>
             </a:fld>
             <a:endParaRPr lang="ko-KR" altLang="en-US"/>
           </a:p>
@@ -4866,7 +4707,7 @@
 </p:sld>
 </file>
 
-<file path=ppt/slides/slide14.xml><?xml version="1.0" encoding="utf-8"?>
+<file path=ppt/slides/slide13.xml><?xml version="1.0" encoding="utf-8"?>
 <p:sld xmlns:a="http://schemas.openxmlformats.org/drawingml/2006/main" xmlns:r="http://schemas.openxmlformats.org/officeDocument/2006/relationships" xmlns:p="http://schemas.openxmlformats.org/presentationml/2006/main">
   <p:cSld>
     <p:spTree>
@@ -4961,7 +4802,7 @@
           <a:p>
             <a:fld id="{1BDE3FE7-3AEA-4B05-AC5A-802D1816ACF0}" type="slidenum">
               <a:rPr lang="ko-KR" altLang="en-US" smtClean="0"/>
-              <a:t>14</a:t>
+              <a:t>13</a:t>
             </a:fld>
             <a:endParaRPr lang="ko-KR" altLang="en-US"/>
           </a:p>
@@ -5054,7 +4895,7 @@
 </p:sld>
 </file>
 
-<file path=ppt/slides/slide15.xml><?xml version="1.0" encoding="utf-8"?>
+<file path=ppt/slides/slide14.xml><?xml version="1.0" encoding="utf-8"?>
 <p:sld xmlns:a="http://schemas.openxmlformats.org/drawingml/2006/main" xmlns:r="http://schemas.openxmlformats.org/officeDocument/2006/relationships" xmlns:p="http://schemas.openxmlformats.org/presentationml/2006/main">
   <p:cSld>
     <p:spTree>
@@ -5149,7 +4990,7 @@
           <a:p>
             <a:fld id="{1BDE3FE7-3AEA-4B05-AC5A-802D1816ACF0}" type="slidenum">
               <a:rPr lang="ko-KR" altLang="en-US" smtClean="0"/>
-              <a:t>15</a:t>
+              <a:t>14</a:t>
             </a:fld>
             <a:endParaRPr lang="ko-KR" altLang="en-US"/>
           </a:p>
@@ -5246,7 +5087,7 @@
 </p:sld>
 </file>
 
-<file path=ppt/slides/slide16.xml><?xml version="1.0" encoding="utf-8"?>
+<file path=ppt/slides/slide15.xml><?xml version="1.0" encoding="utf-8"?>
 <p:sld xmlns:a="http://schemas.openxmlformats.org/drawingml/2006/main" xmlns:r="http://schemas.openxmlformats.org/officeDocument/2006/relationships" xmlns:p="http://schemas.openxmlformats.org/presentationml/2006/main">
   <p:cSld>
     <p:spTree>
@@ -5341,7 +5182,7 @@
           <a:p>
             <a:fld id="{1BDE3FE7-3AEA-4B05-AC5A-802D1816ACF0}" type="slidenum">
               <a:rPr lang="ko-KR" altLang="en-US" smtClean="0"/>
-              <a:t>16</a:t>
+              <a:t>15</a:t>
             </a:fld>
             <a:endParaRPr lang="ko-KR" altLang="en-US"/>
           </a:p>
@@ -7222,7 +7063,7 @@
       </p:sp>
       <p:pic>
         <p:nvPicPr>
-          <p:cNvPr id="7" name="그림 6"/>
+          <p:cNvPr id="3" name="그림 2"/>
           <p:cNvPicPr>
             <a:picLocks noChangeAspect="1"/>
           </p:cNvPicPr>
@@ -7242,8 +7083,8 @@
         </p:blipFill>
         <p:spPr>
           <a:xfrm>
-            <a:off x="1064568" y="1268760"/>
-            <a:ext cx="7635902" cy="4709568"/>
+            <a:off x="799354" y="1772816"/>
+            <a:ext cx="8611346" cy="4092295"/>
           </a:xfrm>
           <a:prstGeom prst="rect">
             <a:avLst/>
@@ -7265,7 +7106,7 @@
         </p:nvSpPr>
         <p:spPr>
           <a:xfrm>
-            <a:off x="7329264" y="1700808"/>
+            <a:off x="7310671" y="1280649"/>
             <a:ext cx="2081436" cy="369332"/>
           </a:xfrm>
           <a:prstGeom prst="rect">
